--- a/PPT/01.타입스크립트 - 타입 정의.pptx
+++ b/PPT/01.타입스크립트 - 타입 정의.pptx
@@ -27419,7 +27419,7 @@
                 <a:latin typeface="Noto Sans CJK KR Light"/>
                 <a:ea typeface="Noto Sans CJK KR Regular" panose="020B0500000000000000" pitchFamily="34" charset="-127"/>
               </a:rPr>
-              <a:t> tsc ex01-01.ts</a:t>
+              <a:t> tsc 01.ts</a:t>
             </a:r>
             <a:endParaRPr lang="en-US" altLang="ko-KR">
               <a:latin typeface="Noto Sans CJK KR Light"/>
@@ -27462,7 +27462,7 @@
                 <a:latin typeface="Noto Sans CJK KR Light"/>
                 <a:ea typeface="Noto Sans CJK KR Regular" panose="020B0500000000000000" pitchFamily="34" charset="-127"/>
               </a:rPr>
-              <a:t> node ex01-01.js</a:t>
+              <a:t> node 01.js</a:t>
             </a:r>
             <a:endParaRPr lang="en-US" altLang="ko-KR" sz="2000">
               <a:latin typeface="Noto Sans CJK KR Light"/>

--- a/PPT/01.타입스크립트 - 타입 정의.pptx
+++ b/PPT/01.타입스크립트 - 타입 정의.pptx
@@ -3820,7 +3820,7 @@
             <a:fld id="{C5EB0431-1611-1744-95F0-8172773087C5}" type="datetimeFigureOut">
               <a:rPr lang="en-US" altLang="ko-Kore-KR" smtClean="0"/>
               <a:pPr/>
-              <a:t>6/28/2024</a:t>
+              <a:t>7/1/2024</a:t>
             </a:fld>
             <a:endParaRPr lang="ko-Kore-KR"/>
           </a:p>
@@ -4240,7 +4240,7 @@
           <a:p>
             <a:fld id="{5FD0AF26-B2D6-41C9-847A-12B3D1677265}" type="datetime1">
               <a:rPr kumimoji="1" lang="ko-KR" altLang="en-US" smtClean="0"/>
-              <a:t>2024-06-28</a:t>
+              <a:t>2024-07-01</a:t>
             </a:fld>
             <a:endParaRPr kumimoji="1" lang="ko-KR" altLang="en-US"/>
           </a:p>
@@ -4438,7 +4438,7 @@
           <a:p>
             <a:fld id="{11A845FB-4EAB-4F93-BE87-891FAC391B0C}" type="datetime1">
               <a:rPr kumimoji="1" lang="ko-KR" altLang="en-US" smtClean="0"/>
-              <a:t>2024-06-28</a:t>
+              <a:t>2024-07-01</a:t>
             </a:fld>
             <a:endParaRPr kumimoji="1" lang="ko-KR" altLang="en-US"/>
           </a:p>
@@ -4646,7 +4646,7 @@
           <a:p>
             <a:fld id="{6597FBCF-59BC-423C-A27E-A4E0342EEDF5}" type="datetime1">
               <a:rPr kumimoji="1" lang="ko-KR" altLang="en-US" smtClean="0"/>
-              <a:t>2024-06-28</a:t>
+              <a:t>2024-07-01</a:t>
             </a:fld>
             <a:endParaRPr kumimoji="1" lang="ko-KR" altLang="en-US"/>
           </a:p>
@@ -4844,7 +4844,7 @@
           <a:p>
             <a:fld id="{59DE6E8A-4C0D-4CC6-BBD6-2F945A6B3540}" type="datetime1">
               <a:rPr kumimoji="1" lang="ko-KR" altLang="en-US" smtClean="0"/>
-              <a:t>2024-06-28</a:t>
+              <a:t>2024-07-01</a:t>
             </a:fld>
             <a:endParaRPr kumimoji="1" lang="ko-KR" altLang="en-US"/>
           </a:p>
@@ -5119,7 +5119,7 @@
           <a:p>
             <a:fld id="{BEBFBD75-CCBA-4C22-86CA-859D220600AA}" type="datetime1">
               <a:rPr kumimoji="1" lang="ko-KR" altLang="en-US" smtClean="0"/>
-              <a:t>2024-06-28</a:t>
+              <a:t>2024-07-01</a:t>
             </a:fld>
             <a:endParaRPr kumimoji="1" lang="ko-KR" altLang="en-US"/>
           </a:p>
@@ -5384,7 +5384,7 @@
           <a:p>
             <a:fld id="{DB031150-5CB0-41C0-9104-5695DD253F49}" type="datetime1">
               <a:rPr kumimoji="1" lang="ko-KR" altLang="en-US" smtClean="0"/>
-              <a:t>2024-06-28</a:t>
+              <a:t>2024-07-01</a:t>
             </a:fld>
             <a:endParaRPr kumimoji="1" lang="ko-KR" altLang="en-US"/>
           </a:p>
@@ -5796,7 +5796,7 @@
           <a:p>
             <a:fld id="{0B78CFAD-1435-498E-ACFE-38131B135631}" type="datetime1">
               <a:rPr kumimoji="1" lang="ko-KR" altLang="en-US" smtClean="0"/>
-              <a:t>2024-06-28</a:t>
+              <a:t>2024-07-01</a:t>
             </a:fld>
             <a:endParaRPr kumimoji="1" lang="ko-KR" altLang="en-US"/>
           </a:p>
@@ -5937,7 +5937,7 @@
           <a:p>
             <a:fld id="{BF2AA6DB-F13D-4C47-BC2B-E1D25CB476ED}" type="datetime1">
               <a:rPr kumimoji="1" lang="ko-KR" altLang="en-US" smtClean="0"/>
-              <a:t>2024-06-28</a:t>
+              <a:t>2024-07-01</a:t>
             </a:fld>
             <a:endParaRPr kumimoji="1" lang="ko-KR" altLang="en-US"/>
           </a:p>
@@ -6050,7 +6050,7 @@
           <a:p>
             <a:fld id="{14FBB438-2880-4761-94BA-7F7996C8C3BD}" type="datetime1">
               <a:rPr kumimoji="1" lang="ko-KR" altLang="en-US" smtClean="0"/>
-              <a:t>2024-06-28</a:t>
+              <a:t>2024-07-01</a:t>
             </a:fld>
             <a:endParaRPr kumimoji="1" lang="ko-KR" altLang="en-US"/>
           </a:p>
@@ -6361,7 +6361,7 @@
           <a:p>
             <a:fld id="{C4D9C33D-E09A-4F6E-A7FA-CF959C3E6DEE}" type="datetime1">
               <a:rPr kumimoji="1" lang="ko-KR" altLang="en-US" smtClean="0"/>
-              <a:t>2024-06-28</a:t>
+              <a:t>2024-07-01</a:t>
             </a:fld>
             <a:endParaRPr kumimoji="1" lang="ko-KR" altLang="en-US"/>
           </a:p>
@@ -6649,7 +6649,7 @@
           <a:p>
             <a:fld id="{DB10E3DE-CCA8-4CB9-BDA2-4741B0CD6641}" type="datetime1">
               <a:rPr kumimoji="1" lang="ko-KR" altLang="en-US" smtClean="0"/>
-              <a:t>2024-06-28</a:t>
+              <a:t>2024-07-01</a:t>
             </a:fld>
             <a:endParaRPr kumimoji="1" lang="ko-KR" altLang="en-US"/>
           </a:p>
@@ -6892,7 +6892,7 @@
           <a:p>
             <a:fld id="{827CA893-2A65-4E72-A022-7CB16F3818A4}" type="datetime1">
               <a:rPr kumimoji="1" lang="ko-KR" altLang="en-US" smtClean="0"/>
-              <a:t>2024-06-28</a:t>
+              <a:t>2024-07-01</a:t>
             </a:fld>
             <a:endParaRPr kumimoji="1" lang="ko-KR" altLang="en-US"/>
           </a:p>
@@ -9993,7 +9993,7 @@
                 <a:latin typeface="Noto Sans CJK KR Regular" panose="020B0500000000000000" pitchFamily="34" charset="-127"/>
                 <a:ea typeface="Noto Sans CJK KR Regular" panose="020B0500000000000000" pitchFamily="34" charset="-127"/>
               </a:rPr>
-              <a:t>타입으로 지정한 객체는 해당 타입 별칭 정의된 속성명과 속성의 타입을 준수해야 함</a:t>
+              <a:t>타입으로 지정한 객체는 타입 별칭에 정의된 속성명과 속성의 타입을 준수해야 함</a:t>
             </a:r>
             <a:endParaRPr lang="en-US" altLang="ko-KR" b="0">
               <a:latin typeface="Noto Sans CJK KR Regular" panose="020B0500000000000000" pitchFamily="34" charset="-127"/>

--- a/PPT/01.타입스크립트 - 타입 정의.pptx
+++ b/PPT/01.타입스크립트 - 타입 정의.pptx
@@ -10166,7 +10166,7 @@
                 <a:effectLst/>
                 <a:latin typeface="Consolas" panose="020B0609020204030204" pitchFamily="49" charset="0"/>
               </a:rPr>
-              <a:t> User {</a:t>
+              <a:t> User = {</a:t>
             </a:r>
           </a:p>
           <a:p>
